--- a/Diagrams and documents/Event2Go_prezi.pptx
+++ b/Diagrams and documents/Event2Go_prezi.pptx
@@ -12,7 +12,8 @@
     <p:sldId id="260" r:id="rId6"/>
     <p:sldId id="261" r:id="rId7"/>
     <p:sldId id="262" r:id="rId8"/>
-    <p:sldId id="263" r:id="rId9"/>
+    <p:sldId id="264" r:id="rId9"/>
+    <p:sldId id="263" r:id="rId10"/>
   </p:sldIdLst>
   <p:sldSz cx="12192000" cy="6858000"/>
   <p:notesSz cx="6858000" cy="9144000"/>
@@ -14377,14 +14378,14 @@
             <p:ph idx="1"/>
             <p:extLst>
               <p:ext uri="{D42A27DB-BD31-4B8C-83A1-F6EECF244321}">
-                <p14:modId xmlns:p14="http://schemas.microsoft.com/office/powerpoint/2010/main" val="709184037"/>
+                <p14:modId xmlns:p14="http://schemas.microsoft.com/office/powerpoint/2010/main" val="3283962767"/>
               </p:ext>
             </p:extLst>
           </p:nvPr>
         </p:nvGraphicFramePr>
         <p:xfrm>
           <a:off x="1154953" y="2924432"/>
-          <a:ext cx="8761414" cy="2118016"/>
+          <a:ext cx="8761414" cy="2647520"/>
         </p:xfrm>
         <a:graphic>
           <a:graphicData uri="http://schemas.openxmlformats.org/drawingml/2006/table">
@@ -14500,7 +14501,7 @@
                           <a:latin typeface="Arial" panose="020B0604020202020204" pitchFamily="34" charset="0"/>
                           <a:ea typeface="Arial" panose="020B0604020202020204" pitchFamily="34" charset="0"/>
                         </a:rPr>
-                        <a:t>Backend</a:t>
+                        <a:t>Backend server</a:t>
                       </a:r>
                       <a:endParaRPr lang="en-CA" sz="1100" dirty="0">
                         <a:solidFill>
@@ -14678,6 +14679,69 @@
                   </a:ext>
                 </a:extLst>
               </a:tr>
+              <a:tr h="529504">
+                <a:tc>
+                  <a:txBody>
+                    <a:bodyPr/>
+                    <a:lstStyle/>
+                    <a:p>
+                      <a:pPr>
+                        <a:lnSpc>
+                          <a:spcPct val="115000"/>
+                        </a:lnSpc>
+                        <a:spcAft>
+                          <a:spcPts val="800"/>
+                        </a:spcAft>
+                      </a:pPr>
+                      <a:r>
+                        <a:rPr lang="en-CA" sz="1000" b="1" dirty="0">
+                          <a:solidFill>
+                            <a:srgbClr val="000000"/>
+                          </a:solidFill>
+                          <a:effectLst/>
+                          <a:latin typeface="Arial" panose="020B0604020202020204" pitchFamily="34" charset="0"/>
+                          <a:ea typeface="Arial" panose="020B0604020202020204" pitchFamily="34" charset="0"/>
+                        </a:rPr>
+                        <a:t>AngularJS</a:t>
+                      </a:r>
+                    </a:p>
+                  </a:txBody>
+                  <a:tcPr marL="63500" marR="63500" marT="63500" marB="63500"/>
+                </a:tc>
+                <a:tc>
+                  <a:txBody>
+                    <a:bodyPr/>
+                    <a:lstStyle/>
+                    <a:p>
+                      <a:pPr>
+                        <a:lnSpc>
+                          <a:spcPct val="115000"/>
+                        </a:lnSpc>
+                        <a:spcAft>
+                          <a:spcPts val="800"/>
+                        </a:spcAft>
+                      </a:pPr>
+                      <a:r>
+                        <a:rPr lang="en-CA" sz="1000" dirty="0">
+                          <a:solidFill>
+                            <a:srgbClr val="000000"/>
+                          </a:solidFill>
+                          <a:effectLst/>
+                          <a:latin typeface="Arial" panose="020B0604020202020204" pitchFamily="34" charset="0"/>
+                          <a:ea typeface="Arial" panose="020B0604020202020204" pitchFamily="34" charset="0"/>
+                        </a:rPr>
+                        <a:t>Client side JavaScript</a:t>
+                      </a:r>
+                    </a:p>
+                  </a:txBody>
+                  <a:tcPr marL="63500" marR="63500" marT="63500" marB="63500"/>
+                </a:tc>
+                <a:extLst>
+                  <a:ext uri="{0D108BD9-81ED-4DB2-BD59-A6C34878D82A}">
+                    <a16:rowId xmlns:a16="http://schemas.microsoft.com/office/drawing/2014/main" val="2975061708"/>
+                  </a:ext>
+                </a:extLst>
+              </a:tr>
             </a:tbl>
           </a:graphicData>
         </a:graphic>
@@ -14872,14 +14936,14 @@
             <p:ph idx="1"/>
             <p:extLst>
               <p:ext uri="{D42A27DB-BD31-4B8C-83A1-F6EECF244321}">
-                <p14:modId xmlns:p14="http://schemas.microsoft.com/office/powerpoint/2010/main" val="4037085368"/>
+                <p14:modId xmlns:p14="http://schemas.microsoft.com/office/powerpoint/2010/main" val="3994518957"/>
               </p:ext>
             </p:extLst>
           </p:nvPr>
         </p:nvGraphicFramePr>
         <p:xfrm>
-          <a:off x="1155700" y="2603500"/>
-          <a:ext cx="8761414" cy="3241994"/>
+          <a:off x="1715293" y="2611738"/>
+          <a:ext cx="8761414" cy="3612834"/>
         </p:xfrm>
         <a:graphic>
           <a:graphicData uri="http://schemas.openxmlformats.org/drawingml/2006/table">
@@ -15112,7 +15176,7 @@
                         </a:spcAft>
                       </a:pPr>
                       <a:r>
-                        <a:rPr lang="en-CA" sz="1000" b="0">
+                        <a:rPr lang="en-CA" sz="1000" b="0" dirty="0">
                           <a:solidFill>
                             <a:srgbClr val="333333"/>
                           </a:solidFill>
@@ -15122,7 +15186,7 @@
                         </a:rPr>
                         <a:t>Users will able to signup or login account through Facebook, google and many different API</a:t>
                       </a:r>
-                      <a:endParaRPr lang="en-CA" sz="1100" b="0">
+                      <a:endParaRPr lang="en-CA" sz="1100" b="0" dirty="0">
                         <a:solidFill>
                           <a:srgbClr val="000000"/>
                         </a:solidFill>
@@ -15155,7 +15219,7 @@
                         </a:spcAft>
                       </a:pPr>
                       <a:r>
-                        <a:rPr lang="en-CA" sz="1050" b="1">
+                        <a:rPr lang="en-CA" sz="1050" b="1" dirty="0">
                           <a:solidFill>
                             <a:srgbClr val="333333"/>
                           </a:solidFill>
@@ -15165,7 +15229,7 @@
                         </a:rPr>
                         <a:t>Verification by SMS</a:t>
                       </a:r>
-                      <a:endParaRPr lang="en-CA" sz="1050">
+                      <a:endParaRPr lang="en-CA" sz="1050" dirty="0">
                         <a:solidFill>
                           <a:srgbClr val="000000"/>
                         </a:solidFill>
@@ -15519,6 +15583,69 @@
                   </a:ext>
                 </a:extLst>
               </a:tr>
+              <a:tr h="370840">
+                <a:tc>
+                  <a:txBody>
+                    <a:bodyPr/>
+                    <a:lstStyle/>
+                    <a:p>
+                      <a:pPr>
+                        <a:lnSpc>
+                          <a:spcPct val="115000"/>
+                        </a:lnSpc>
+                        <a:spcAft>
+                          <a:spcPts val="800"/>
+                        </a:spcAft>
+                      </a:pPr>
+                      <a:r>
+                        <a:rPr lang="en-CA" sz="1050" b="1" dirty="0">
+                          <a:solidFill>
+                            <a:srgbClr val="000000"/>
+                          </a:solidFill>
+                          <a:effectLst/>
+                          <a:latin typeface="Arial" panose="020B0604020202020204" pitchFamily="34" charset="0"/>
+                          <a:ea typeface="Arial" panose="020B0604020202020204" pitchFamily="34" charset="0"/>
+                        </a:rPr>
+                        <a:t>Resend Email Verification</a:t>
+                      </a:r>
+                    </a:p>
+                  </a:txBody>
+                  <a:tcPr marL="63500" marR="63500" marT="63500" marB="63500"/>
+                </a:tc>
+                <a:tc>
+                  <a:txBody>
+                    <a:bodyPr/>
+                    <a:lstStyle/>
+                    <a:p>
+                      <a:pPr>
+                        <a:lnSpc>
+                          <a:spcPct val="115000"/>
+                        </a:lnSpc>
+                        <a:spcAft>
+                          <a:spcPts val="800"/>
+                        </a:spcAft>
+                      </a:pPr>
+                      <a:r>
+                        <a:rPr lang="en-CA" sz="1000" b="0" dirty="0">
+                          <a:solidFill>
+                            <a:srgbClr val="000000"/>
+                          </a:solidFill>
+                          <a:effectLst/>
+                          <a:latin typeface="Arial" panose="020B0604020202020204" pitchFamily="34" charset="0"/>
+                          <a:ea typeface="Arial" panose="020B0604020202020204" pitchFamily="34" charset="0"/>
+                        </a:rPr>
+                        <a:t>Option to allow user to resend email verification email</a:t>
+                      </a:r>
+                    </a:p>
+                  </a:txBody>
+                  <a:tcPr marL="63500" marR="63500" marT="63500" marB="63500"/>
+                </a:tc>
+                <a:extLst>
+                  <a:ext uri="{0D108BD9-81ED-4DB2-BD59-A6C34878D82A}">
+                    <a16:rowId xmlns:a16="http://schemas.microsoft.com/office/drawing/2014/main" val="1071617625"/>
+                  </a:ext>
+                </a:extLst>
+              </a:tr>
             </a:tbl>
           </a:graphicData>
         </a:graphic>
@@ -15537,6 +15664,146 @@
 </file>
 
 <file path=ppt/slides/slide8.xml><?xml version="1.0" encoding="utf-8"?>
+<p:sld xmlns:a="http://schemas.openxmlformats.org/drawingml/2006/main" xmlns:r="http://schemas.openxmlformats.org/officeDocument/2006/relationships" xmlns:p="http://schemas.openxmlformats.org/presentationml/2006/main">
+  <p:cSld>
+    <p:spTree>
+      <p:nvGrpSpPr>
+        <p:cNvPr id="1" name=""/>
+        <p:cNvGrpSpPr/>
+        <p:nvPr/>
+      </p:nvGrpSpPr>
+      <p:grpSpPr>
+        <a:xfrm>
+          <a:off x="0" y="0"/>
+          <a:ext cx="0" cy="0"/>
+          <a:chOff x="0" y="0"/>
+          <a:chExt cx="0" cy="0"/>
+        </a:xfrm>
+      </p:grpSpPr>
+      <p:sp>
+        <p:nvSpPr>
+          <p:cNvPr id="2" name="Title 1">
+            <a:extLst>
+              <a:ext uri="{FF2B5EF4-FFF2-40B4-BE49-F238E27FC236}">
+                <a16:creationId xmlns:a16="http://schemas.microsoft.com/office/drawing/2014/main" id="{044F23EE-D5E1-4ABE-B883-F90B51402012}"/>
+              </a:ext>
+            </a:extLst>
+          </p:cNvPr>
+          <p:cNvSpPr>
+            <a:spLocks noGrp="1"/>
+          </p:cNvSpPr>
+          <p:nvPr>
+            <p:ph type="title"/>
+          </p:nvPr>
+        </p:nvSpPr>
+        <p:spPr/>
+        <p:txBody>
+          <a:bodyPr/>
+          <a:lstStyle/>
+          <a:p>
+            <a:r>
+              <a:rPr lang="en-CA" dirty="0"/>
+              <a:t>IOS and android samples</a:t>
+            </a:r>
+          </a:p>
+        </p:txBody>
+      </p:sp>
+      <p:pic>
+        <p:nvPicPr>
+          <p:cNvPr id="4" name="Content Placeholder 3">
+            <a:extLst>
+              <a:ext uri="{FF2B5EF4-FFF2-40B4-BE49-F238E27FC236}">
+                <a16:creationId xmlns:a16="http://schemas.microsoft.com/office/drawing/2014/main" id="{F7D76A12-0445-4B8B-AC10-8BEBAFE16834}"/>
+              </a:ext>
+            </a:extLst>
+          </p:cNvPr>
+          <p:cNvPicPr>
+            <a:picLocks noGrp="1"/>
+          </p:cNvPicPr>
+          <p:nvPr>
+            <p:ph idx="1"/>
+          </p:nvPr>
+        </p:nvPicPr>
+        <p:blipFill>
+          <a:blip r:embed="rId2" cstate="print">
+            <a:extLst>
+              <a:ext uri="{28A0092B-C50C-407E-A947-70E740481C1C}">
+                <a14:useLocalDpi xmlns:a14="http://schemas.microsoft.com/office/drawing/2010/main" val="0"/>
+              </a:ext>
+            </a:extLst>
+          </a:blip>
+          <a:srcRect/>
+          <a:stretch>
+            <a:fillRect/>
+          </a:stretch>
+        </p:blipFill>
+        <p:spPr bwMode="auto">
+          <a:xfrm rot="5400000">
+            <a:off x="1297141" y="2898476"/>
+            <a:ext cx="4609386" cy="3309662"/>
+          </a:xfrm>
+          <a:prstGeom prst="rect">
+            <a:avLst/>
+          </a:prstGeom>
+          <a:noFill/>
+          <a:ln>
+            <a:noFill/>
+          </a:ln>
+        </p:spPr>
+      </p:pic>
+      <p:pic>
+        <p:nvPicPr>
+          <p:cNvPr id="5" name="Picture 4">
+            <a:extLst>
+              <a:ext uri="{FF2B5EF4-FFF2-40B4-BE49-F238E27FC236}">
+                <a16:creationId xmlns:a16="http://schemas.microsoft.com/office/drawing/2014/main" id="{AF577D37-86CB-4CB0-9AA5-AA3E9F38AD95}"/>
+              </a:ext>
+            </a:extLst>
+          </p:cNvPr>
+          <p:cNvPicPr/>
+          <p:nvPr/>
+        </p:nvPicPr>
+        <p:blipFill>
+          <a:blip r:embed="rId3" cstate="print">
+            <a:extLst>
+              <a:ext uri="{28A0092B-C50C-407E-A947-70E740481C1C}">
+                <a14:useLocalDpi xmlns:a14="http://schemas.microsoft.com/office/drawing/2010/main" val="0"/>
+              </a:ext>
+            </a:extLst>
+          </a:blip>
+          <a:srcRect/>
+          <a:stretch>
+            <a:fillRect/>
+          </a:stretch>
+        </p:blipFill>
+        <p:spPr bwMode="auto">
+          <a:xfrm>
+            <a:off x="6287569" y="2248613"/>
+            <a:ext cx="3173672" cy="4609385"/>
+          </a:xfrm>
+          <a:prstGeom prst="rect">
+            <a:avLst/>
+          </a:prstGeom>
+          <a:noFill/>
+          <a:ln>
+            <a:noFill/>
+          </a:ln>
+        </p:spPr>
+      </p:pic>
+    </p:spTree>
+    <p:extLst>
+      <p:ext uri="{BB962C8B-B14F-4D97-AF65-F5344CB8AC3E}">
+        <p14:creationId xmlns:p14="http://schemas.microsoft.com/office/powerpoint/2010/main" val="1213663717"/>
+      </p:ext>
+    </p:extLst>
+  </p:cSld>
+  <p:clrMapOvr>
+    <a:masterClrMapping/>
+  </p:clrMapOvr>
+</p:sld>
+</file>
+
+<file path=ppt/slides/slide9.xml><?xml version="1.0" encoding="utf-8"?>
 <p:sld xmlns:a="http://schemas.openxmlformats.org/drawingml/2006/main" xmlns:r="http://schemas.openxmlformats.org/officeDocument/2006/relationships" xmlns:p="http://schemas.openxmlformats.org/presentationml/2006/main">
   <p:cSld>
     <p:spTree>
